--- a/fapn/img/additional_tasks.pptx
+++ b/fapn/img/additional_tasks.pptx
@@ -129,12 +129,12 @@
   <pc:docChgLst>
     <pc:chgData name="Huang shihua" userId="9b8b7e73f64f2f03" providerId="LiveId" clId="{7488E83E-0D12-4599-B3A1-BA3A7B6522FF}"/>
     <pc:docChg chg="custSel modSld modMainMaster modNotesMaster">
-      <pc:chgData name="Huang shihua" userId="9b8b7e73f64f2f03" providerId="LiveId" clId="{7488E83E-0D12-4599-B3A1-BA3A7B6522FF}" dt="2021-09-03T10:05:44.564" v="131" actId="1036"/>
+      <pc:chgData name="Huang shihua" userId="9b8b7e73f64f2f03" providerId="LiveId" clId="{7488E83E-0D12-4599-B3A1-BA3A7B6522FF}" dt="2021-09-03T10:12:23.933" v="148" actId="14100"/>
       <pc:docMkLst>
         <pc:docMk/>
       </pc:docMkLst>
       <pc:sldChg chg="addSp delSp modSp mod modNotes">
-        <pc:chgData name="Huang shihua" userId="9b8b7e73f64f2f03" providerId="LiveId" clId="{7488E83E-0D12-4599-B3A1-BA3A7B6522FF}" dt="2021-09-03T10:05:44.564" v="131" actId="1036"/>
+        <pc:chgData name="Huang shihua" userId="9b8b7e73f64f2f03" providerId="LiveId" clId="{7488E83E-0D12-4599-B3A1-BA3A7B6522FF}" dt="2021-09-03T10:12:23.933" v="148" actId="14100"/>
         <pc:sldMkLst>
           <pc:docMk/>
           <pc:sldMk cId="3002267299" sldId="256"/>
@@ -156,7 +156,7 @@
           </ac:spMkLst>
         </pc:spChg>
         <pc:spChg chg="mod">
-          <ac:chgData name="Huang shihua" userId="9b8b7e73f64f2f03" providerId="LiveId" clId="{7488E83E-0D12-4599-B3A1-BA3A7B6522FF}" dt="2021-09-03T10:05:44.564" v="131" actId="1036"/>
+          <ac:chgData name="Huang shihua" userId="9b8b7e73f64f2f03" providerId="LiveId" clId="{7488E83E-0D12-4599-B3A1-BA3A7B6522FF}" dt="2021-09-03T10:12:16.637" v="145" actId="1037"/>
           <ac:spMkLst>
             <pc:docMk/>
             <pc:sldMk cId="3002267299" sldId="256"/>
@@ -164,7 +164,7 @@
           </ac:spMkLst>
         </pc:spChg>
         <pc:spChg chg="mod">
-          <ac:chgData name="Huang shihua" userId="9b8b7e73f64f2f03" providerId="LiveId" clId="{7488E83E-0D12-4599-B3A1-BA3A7B6522FF}" dt="2021-09-03T10:05:44.564" v="131" actId="1036"/>
+          <ac:chgData name="Huang shihua" userId="9b8b7e73f64f2f03" providerId="LiveId" clId="{7488E83E-0D12-4599-B3A1-BA3A7B6522FF}" dt="2021-09-03T10:12:23.933" v="148" actId="14100"/>
           <ac:spMkLst>
             <pc:docMk/>
             <pc:sldMk cId="3002267299" sldId="256"/>
@@ -3940,8 +3940,8 @@
         </p:nvSpPr>
         <p:spPr>
           <a:xfrm>
-            <a:off x="1926636" y="5000810"/>
-            <a:ext cx="4439507" cy="338554"/>
+            <a:off x="1807368" y="5000810"/>
+            <a:ext cx="4831973" cy="369332"/>
           </a:xfrm>
           <a:prstGeom prst="rect">
             <a:avLst/>
@@ -3955,27 +3955,27 @@
           <a:lstStyle/>
           <a:p>
             <a:r>
-              <a:rPr lang="en-US" altLang="zh-CN" sz="1600" b="1" dirty="0">
+              <a:rPr lang="en-US" altLang="zh-CN" b="1" dirty="0">
                 <a:latin typeface="Arial" panose="020B0604020202020204" pitchFamily="34" charset="0"/>
                 <a:cs typeface="Arial" panose="020B0604020202020204" pitchFamily="34" charset="0"/>
               </a:rPr>
               <a:t>Semantic segmentation with </a:t>
             </a:r>
             <a:r>
-              <a:rPr lang="en-US" altLang="zh-CN" sz="1600" b="1" dirty="0" err="1">
+              <a:rPr lang="en-US" altLang="zh-CN" b="1" dirty="0" err="1">
                 <a:latin typeface="Arial" panose="020B0604020202020204" pitchFamily="34" charset="0"/>
                 <a:cs typeface="Arial" panose="020B0604020202020204" pitchFamily="34" charset="0"/>
               </a:rPr>
               <a:t>MaskFormer</a:t>
             </a:r>
             <a:r>
-              <a:rPr lang="en-US" altLang="zh-CN" sz="1600" b="1" dirty="0">
+              <a:rPr lang="en-US" altLang="zh-CN" b="1" dirty="0">
                 <a:latin typeface="Arial" panose="020B0604020202020204" pitchFamily="34" charset="0"/>
                 <a:cs typeface="Arial" panose="020B0604020202020204" pitchFamily="34" charset="0"/>
               </a:rPr>
               <a:t> </a:t>
             </a:r>
-            <a:endParaRPr lang="zh-CN" altLang="en-US" sz="1600" b="1" dirty="0">
+            <a:endParaRPr lang="zh-CN" altLang="en-US" b="1" dirty="0">
               <a:latin typeface="Arial" panose="020B0604020202020204" pitchFamily="34" charset="0"/>
               <a:cs typeface="Arial" panose="020B0604020202020204" pitchFamily="34" charset="0"/>
             </a:endParaRPr>
@@ -3996,8 +3996,8 @@
         </p:nvSpPr>
         <p:spPr>
           <a:xfrm>
-            <a:off x="10552932" y="5000810"/>
-            <a:ext cx="3441485" cy="338554"/>
+            <a:off x="10436088" y="5000810"/>
+            <a:ext cx="3876260" cy="369332"/>
           </a:xfrm>
           <a:prstGeom prst="rect">
             <a:avLst/>
@@ -4011,13 +4011,13 @@
           <a:lstStyle/>
           <a:p>
             <a:r>
-              <a:rPr lang="en-US" altLang="zh-CN" sz="1600" b="1" dirty="0">
+              <a:rPr lang="en-US" altLang="zh-CN" b="1" dirty="0">
                 <a:latin typeface="Arial" panose="020B0604020202020204" pitchFamily="34" charset="0"/>
                 <a:cs typeface="Arial" panose="020B0604020202020204" pitchFamily="34" charset="0"/>
               </a:rPr>
               <a:t>Real-time semantic segmentation</a:t>
             </a:r>
-            <a:endParaRPr lang="zh-CN" altLang="en-US" sz="1600" b="1" dirty="0">
+            <a:endParaRPr lang="zh-CN" altLang="en-US" b="1" dirty="0">
               <a:latin typeface="Arial" panose="020B0604020202020204" pitchFamily="34" charset="0"/>
               <a:cs typeface="Arial" panose="020B0604020202020204" pitchFamily="34" charset="0"/>
             </a:endParaRPr>
